--- a/OpenYourOpenSource.pptx
+++ b/OpenYourOpenSource.pptx
@@ -515,29 +515,7 @@
           <a:bodyPr/>
           <a:lstStyle/>
           <a:p>
-            <a:r>
-              <a:rPr lang="en-US" dirty="0"/>
-              <a:t>Thanks for coming! Hopefully this presentation is what you came for!</a:t>
-            </a:r>
-            <a:br>
-              <a:rPr lang="en-US" dirty="0"/>
-            </a:br>
-            <a:br>
-              <a:rPr lang="en-US" dirty="0"/>
-            </a:br>
-            <a:r>
-              <a:rPr lang="en-US" dirty="0"/>
-              <a:t>This is about application design – and how design can be unintentionally discriminatory.</a:t>
-            </a:r>
-          </a:p>
-          <a:p>
-            <a:br>
-              <a:rPr lang="en-US" dirty="0"/>
-            </a:br>
-            <a:r>
-              <a:rPr lang="en-US" dirty="0"/>
-              <a:t>Note that I’m going to help you figure out how to do this right by pretending you want to do it wrong. </a:t>
-            </a:r>
+            <a:endParaRPr lang="en-US" dirty="0"/>
           </a:p>
         </p:txBody>
       </p:sp>

--- a/OpenYourOpenSource.pptx
+++ b/OpenYourOpenSource.pptx
@@ -6659,6 +6659,20 @@
               </a:rPr>
               <a:t>Simple ways to help people want to contribute to your module</a:t>
             </a:r>
+          </a:p>
+          <a:p>
+            <a:r>
+              <a:rPr lang="en-US" sz="2800" i="1" dirty="0">
+                <a:solidFill>
+                  <a:schemeClr val="accent5">
+                    <a:lumMod val="75000"/>
+                  </a:schemeClr>
+                </a:solidFill>
+                <a:latin typeface="Bookman Old Style" panose="02050604050505020204" pitchFamily="18" charset="0"/>
+                <a:hlinkClick r:id="rId3"/>
+              </a:rPr>
+              <a:t>https://bit.ly/2MEhP5k</a:t>
+            </a:r>
             <a:endParaRPr lang="en-US" sz="2800" i="1" dirty="0">
               <a:solidFill>
                 <a:schemeClr val="accent5">
@@ -7931,8 +7945,18 @@
               <a:rPr lang="en-US" sz="3600" dirty="0">
                 <a:latin typeface="Consolas" panose="020B0609020204030204" pitchFamily="49" charset="0"/>
               </a:rPr>
-              <a:t>Contact Info –</a:t>
-            </a:r>
+              <a:t>Slides: </a:t>
+            </a:r>
+            <a:r>
+              <a:rPr lang="en-US" sz="3600" dirty="0">
+                <a:latin typeface="Consolas" panose="020B0609020204030204" pitchFamily="49" charset="0"/>
+                <a:hlinkClick r:id="rId2"/>
+              </a:rPr>
+              <a:t>https://bit.ly/2MEhP5k</a:t>
+            </a:r>
+            <a:endParaRPr lang="en-US" sz="3600" dirty="0">
+              <a:latin typeface="Consolas" panose="020B0609020204030204" pitchFamily="49" charset="0"/>
+            </a:endParaRPr>
           </a:p>
           <a:p>
             <a:pPr marL="0" indent="0" algn="ctr">

--- a/OpenYourOpenSource.pptx
+++ b/OpenYourOpenSource.pptx
@@ -5,7 +5,7 @@
     <p:sldMasterId id="2147483648" r:id="rId1"/>
   </p:sldMasterIdLst>
   <p:notesMasterIdLst>
-    <p:notesMasterId r:id="rId10"/>
+    <p:notesMasterId r:id="rId11"/>
   </p:notesMasterIdLst>
   <p:sldIdLst>
     <p:sldId id="256" r:id="rId2"/>
@@ -14,8 +14,9 @@
     <p:sldId id="308" r:id="rId5"/>
     <p:sldId id="312" r:id="rId6"/>
     <p:sldId id="313" r:id="rId7"/>
-    <p:sldId id="311" r:id="rId8"/>
-    <p:sldId id="307" r:id="rId9"/>
+    <p:sldId id="314" r:id="rId8"/>
+    <p:sldId id="311" r:id="rId9"/>
+    <p:sldId id="307" r:id="rId10"/>
   </p:sldIdLst>
   <p:sldSz cx="12192000" cy="6858000"/>
   <p:notesSz cx="6858000" cy="9144000"/>
@@ -204,7 +205,7 @@
           <a:p>
             <a:fld id="{0372EA05-8BA3-4A34-B491-981181F2A502}" type="datetimeFigureOut">
               <a:rPr lang="en-US" smtClean="0"/>
-              <a:t>6/18/2018</a:t>
+              <a:t>6/19/2018</a:t>
             </a:fld>
             <a:endParaRPr lang="en-US"/>
           </a:p>
@@ -599,7 +600,49 @@
           <a:bodyPr/>
           <a:lstStyle/>
           <a:p>
-            <a:endParaRPr lang="en-US" dirty="0"/>
+            <a:r>
+              <a:rPr lang="en-US" dirty="0"/>
+              <a:t>Special rules:</a:t>
+            </a:r>
+            <a:br>
+              <a:rPr lang="en-US" dirty="0"/>
+            </a:br>
+            <a:r>
+              <a:rPr lang="en-US" dirty="0"/>
+              <a:t>  * Don’t break old stuff</a:t>
+            </a:r>
+          </a:p>
+          <a:p>
+            <a:r>
+              <a:rPr lang="en-US" dirty="0"/>
+              <a:t>  * Talk to me on big stuff</a:t>
+            </a:r>
+          </a:p>
+          <a:p>
+            <a:endParaRPr lang="en-US" dirty="0"/>
+          </a:p>
+          <a:p>
+            <a:r>
+              <a:rPr lang="en-US" dirty="0"/>
+              <a:t>Meta stuff:</a:t>
+            </a:r>
+          </a:p>
+          <a:p>
+            <a:r>
+              <a:rPr lang="en-US" dirty="0"/>
+              <a:t> * dist.ini / </a:t>
+            </a:r>
+            <a:r>
+              <a:rPr lang="en-US" dirty="0" err="1"/>
+              <a:t>distzilla</a:t>
+            </a:r>
+            <a:endParaRPr lang="en-US" dirty="0"/>
+          </a:p>
+          <a:p>
+            <a:r>
+              <a:rPr lang="en-US" dirty="0"/>
+              <a:t> * idiomatic usage</a:t>
+            </a:r>
           </a:p>
         </p:txBody>
       </p:sp>
@@ -767,7 +810,27 @@
           <a:bodyPr/>
           <a:lstStyle/>
           <a:p>
-            <a:endParaRPr lang="en-US" dirty="0"/>
+            <a:r>
+              <a:rPr lang="en-US" dirty="0"/>
+              <a:t>Also works when you forget to set your name/email in old commits.</a:t>
+            </a:r>
+          </a:p>
+          <a:p>
+            <a:endParaRPr lang="en-US" dirty="0"/>
+          </a:p>
+          <a:p>
+            <a:r>
+              <a:rPr lang="en-US" dirty="0"/>
+              <a:t>Let’s people use git </a:t>
+            </a:r>
+            <a:r>
+              <a:rPr lang="en-US" dirty="0" err="1"/>
+              <a:t>shortlog</a:t>
+            </a:r>
+            <a:r>
+              <a:rPr lang="en-US" dirty="0"/>
+              <a:t>.  Also useful later.</a:t>
+            </a:r>
           </a:p>
         </p:txBody>
       </p:sp>
@@ -851,7 +914,18 @@
           <a:bodyPr/>
           <a:lstStyle/>
           <a:p>
-            <a:endParaRPr lang="en-US" dirty="0"/>
+            <a:r>
+              <a:rPr lang="en-US" dirty="0"/>
+              <a:t>This enables git to use .</a:t>
+            </a:r>
+            <a:r>
+              <a:rPr lang="en-US" dirty="0" err="1"/>
+              <a:t>mailmap</a:t>
+            </a:r>
+            <a:r>
+              <a:rPr lang="en-US" dirty="0"/>
+              <a:t> for “git log”</a:t>
+            </a:r>
           </a:p>
         </p:txBody>
       </p:sp>
@@ -872,7 +946,91 @@
           <a:p>
             <a:fld id="{006BB3E3-FBC9-46F3-8362-95252E27BCEC}" type="slidenum">
               <a:rPr lang="en-US" smtClean="0"/>
-              <a:t>7</a:t>
+              <a:t>6</a:t>
+            </a:fld>
+            <a:endParaRPr lang="en-US"/>
+          </a:p>
+        </p:txBody>
+      </p:sp>
+    </p:spTree>
+    <p:extLst>
+      <p:ext uri="{BB962C8B-B14F-4D97-AF65-F5344CB8AC3E}">
+        <p14:creationId xmlns:p14="http://schemas.microsoft.com/office/powerpoint/2010/main" val="2669829240"/>
+      </p:ext>
+    </p:extLst>
+  </p:cSld>
+  <p:clrMapOvr>
+    <a:masterClrMapping/>
+  </p:clrMapOvr>
+</p:notes>
+</file>
+
+<file path=ppt/notesSlides/notesSlide6.xml><?xml version="1.0" encoding="utf-8"?>
+<p:notes xmlns:a="http://schemas.openxmlformats.org/drawingml/2006/main" xmlns:r="http://schemas.openxmlformats.org/officeDocument/2006/relationships" xmlns:p="http://schemas.openxmlformats.org/presentationml/2006/main">
+  <p:cSld>
+    <p:spTree>
+      <p:nvGrpSpPr>
+        <p:cNvPr id="1" name=""/>
+        <p:cNvGrpSpPr/>
+        <p:nvPr/>
+      </p:nvGrpSpPr>
+      <p:grpSpPr>
+        <a:xfrm>
+          <a:off x="0" y="0"/>
+          <a:ext cx="0" cy="0"/>
+          <a:chOff x="0" y="0"/>
+          <a:chExt cx="0" cy="0"/>
+        </a:xfrm>
+      </p:grpSpPr>
+      <p:sp>
+        <p:nvSpPr>
+          <p:cNvPr id="2" name="Slide Image Placeholder 1"/>
+          <p:cNvSpPr>
+            <a:spLocks noGrp="1" noRot="1" noChangeAspect="1"/>
+          </p:cNvSpPr>
+          <p:nvPr>
+            <p:ph type="sldImg"/>
+          </p:nvPr>
+        </p:nvSpPr>
+        <p:spPr/>
+      </p:sp>
+      <p:sp>
+        <p:nvSpPr>
+          <p:cNvPr id="3" name="Notes Placeholder 2"/>
+          <p:cNvSpPr>
+            <a:spLocks noGrp="1"/>
+          </p:cNvSpPr>
+          <p:nvPr>
+            <p:ph type="body" idx="1"/>
+          </p:nvPr>
+        </p:nvSpPr>
+        <p:spPr/>
+        <p:txBody>
+          <a:bodyPr/>
+          <a:lstStyle/>
+          <a:p>
+            <a:endParaRPr lang="en-US" dirty="0"/>
+          </a:p>
+        </p:txBody>
+      </p:sp>
+      <p:sp>
+        <p:nvSpPr>
+          <p:cNvPr id="4" name="Slide Number Placeholder 3"/>
+          <p:cNvSpPr>
+            <a:spLocks noGrp="1"/>
+          </p:cNvSpPr>
+          <p:nvPr>
+            <p:ph type="sldNum" sz="quarter" idx="10"/>
+          </p:nvPr>
+        </p:nvSpPr>
+        <p:spPr/>
+        <p:txBody>
+          <a:bodyPr/>
+          <a:lstStyle/>
+          <a:p>
+            <a:fld id="{006BB3E3-FBC9-46F3-8362-95252E27BCEC}" type="slidenum">
+              <a:rPr lang="en-US" smtClean="0"/>
+              <a:t>8</a:t>
             </a:fld>
             <a:endParaRPr lang="en-US"/>
           </a:p>
@@ -1223,7 +1381,7 @@
             <a:fld id="{B61BEF0D-F0BB-DE4B-95CE-6DB70DBA9567}" type="datetimeFigureOut">
               <a:rPr lang="en-US" dirty="0"/>
               <a:pPr/>
-              <a:t>6/18/2018</a:t>
+              <a:t>6/19/2018</a:t>
             </a:fld>
             <a:endParaRPr lang="en-US" dirty="0"/>
           </a:p>
@@ -1544,7 +1702,7 @@
             <a:fld id="{B61BEF0D-F0BB-DE4B-95CE-6DB70DBA9567}" type="datetimeFigureOut">
               <a:rPr lang="en-US" dirty="0"/>
               <a:pPr/>
-              <a:t>6/18/2018</a:t>
+              <a:t>6/19/2018</a:t>
             </a:fld>
             <a:endParaRPr lang="en-US" dirty="0"/>
           </a:p>
@@ -1789,7 +1947,7 @@
             <a:fld id="{B61BEF0D-F0BB-DE4B-95CE-6DB70DBA9567}" type="datetimeFigureOut">
               <a:rPr lang="en-US" dirty="0"/>
               <a:pPr/>
-              <a:t>6/18/2018</a:t>
+              <a:t>6/19/2018</a:t>
             </a:fld>
             <a:endParaRPr lang="en-US" dirty="0"/>
           </a:p>
@@ -2125,7 +2283,7 @@
             <a:fld id="{B61BEF0D-F0BB-DE4B-95CE-6DB70DBA9567}" type="datetimeFigureOut">
               <a:rPr lang="en-US" dirty="0"/>
               <a:pPr/>
-              <a:t>6/18/2018</a:t>
+              <a:t>6/19/2018</a:t>
             </a:fld>
             <a:endParaRPr lang="en-US" dirty="0"/>
           </a:p>
@@ -2469,7 +2627,7 @@
             <a:fld id="{B61BEF0D-F0BB-DE4B-95CE-6DB70DBA9567}" type="datetimeFigureOut">
               <a:rPr lang="en-US" dirty="0"/>
               <a:pPr/>
-              <a:t>6/18/2018</a:t>
+              <a:t>6/19/2018</a:t>
             </a:fld>
             <a:endParaRPr lang="en-US" dirty="0"/>
           </a:p>
@@ -2840,7 +2998,7 @@
             <a:fld id="{B61BEF0D-F0BB-DE4B-95CE-6DB70DBA9567}" type="datetimeFigureOut">
               <a:rPr lang="en-US" dirty="0"/>
               <a:pPr/>
-              <a:t>6/18/2018</a:t>
+              <a:t>6/19/2018</a:t>
             </a:fld>
             <a:endParaRPr lang="en-US" dirty="0"/>
           </a:p>
@@ -3307,7 +3465,7 @@
             <a:fld id="{B61BEF0D-F0BB-DE4B-95CE-6DB70DBA9567}" type="datetimeFigureOut">
               <a:rPr lang="en-US" dirty="0"/>
               <a:pPr/>
-              <a:t>6/18/2018</a:t>
+              <a:t>6/19/2018</a:t>
             </a:fld>
             <a:endParaRPr lang="en-US" dirty="0"/>
           </a:p>
@@ -3509,7 +3667,7 @@
             <a:fld id="{B61BEF0D-F0BB-DE4B-95CE-6DB70DBA9567}" type="datetimeFigureOut">
               <a:rPr lang="en-US" dirty="0"/>
               <a:pPr/>
-              <a:t>6/18/2018</a:t>
+              <a:t>6/19/2018</a:t>
             </a:fld>
             <a:endParaRPr lang="en-US" dirty="0"/>
           </a:p>
@@ -3717,7 +3875,7 @@
             <a:fld id="{B61BEF0D-F0BB-DE4B-95CE-6DB70DBA9567}" type="datetimeFigureOut">
               <a:rPr lang="en-US" dirty="0"/>
               <a:pPr/>
-              <a:t>6/18/2018</a:t>
+              <a:t>6/19/2018</a:t>
             </a:fld>
             <a:endParaRPr lang="en-US" dirty="0"/>
           </a:p>
@@ -3945,7 +4103,7 @@
           <a:p>
             <a:fld id="{52647F38-B617-4D2F-AE0A-013F0C4D2C57}" type="datetimeFigureOut">
               <a:rPr lang="en-US" dirty="0"/>
-              <a:t>6/18/2018</a:t>
+              <a:t>6/19/2018</a:t>
             </a:fld>
             <a:endParaRPr lang="en-US" dirty="0"/>
           </a:p>
@@ -4189,7 +4347,7 @@
             <a:fld id="{B61BEF0D-F0BB-DE4B-95CE-6DB70DBA9567}" type="datetimeFigureOut">
               <a:rPr lang="en-US" dirty="0"/>
               <a:pPr/>
-              <a:t>6/18/2018</a:t>
+              <a:t>6/19/2018</a:t>
             </a:fld>
             <a:endParaRPr lang="en-US" dirty="0"/>
           </a:p>
@@ -4483,7 +4641,7 @@
           <a:p>
             <a:fld id="{05BFA754-D5C3-4E66-96A6-867B257F58DC}" type="datetimeFigureOut">
               <a:rPr lang="en-US" dirty="0"/>
-              <a:t>6/18/2018</a:t>
+              <a:t>6/19/2018</a:t>
             </a:fld>
             <a:endParaRPr lang="en-US" dirty="0"/>
           </a:p>
@@ -4873,7 +5031,7 @@
             <a:fld id="{B61BEF0D-F0BB-DE4B-95CE-6DB70DBA9567}" type="datetimeFigureOut">
               <a:rPr lang="en-US" dirty="0"/>
               <a:pPr/>
-              <a:t>6/18/2018</a:t>
+              <a:t>6/19/2018</a:t>
             </a:fld>
             <a:endParaRPr lang="en-US" dirty="0"/>
           </a:p>
@@ -5019,7 +5177,7 @@
             <a:fld id="{B61BEF0D-F0BB-DE4B-95CE-6DB70DBA9567}" type="datetimeFigureOut">
               <a:rPr lang="en-US" dirty="0"/>
               <a:pPr/>
-              <a:t>6/18/2018</a:t>
+              <a:t>6/19/2018</a:t>
             </a:fld>
             <a:endParaRPr lang="en-US" dirty="0"/>
           </a:p>
@@ -5142,7 +5300,7 @@
             <a:fld id="{B61BEF0D-F0BB-DE4B-95CE-6DB70DBA9567}" type="datetimeFigureOut">
               <a:rPr lang="en-US" dirty="0"/>
               <a:pPr/>
-              <a:t>6/18/2018</a:t>
+              <a:t>6/19/2018</a:t>
             </a:fld>
             <a:endParaRPr lang="en-US" dirty="0"/>
           </a:p>
@@ -5394,7 +5552,7 @@
             <a:fld id="{B61BEF0D-F0BB-DE4B-95CE-6DB70DBA9567}" type="datetimeFigureOut">
               <a:rPr lang="en-US" dirty="0"/>
               <a:pPr/>
-              <a:t>6/18/2018</a:t>
+              <a:t>6/19/2018</a:t>
             </a:fld>
             <a:endParaRPr lang="en-US" dirty="0"/>
           </a:p>
@@ -5706,7 +5864,7 @@
             <a:fld id="{B61BEF0D-F0BB-DE4B-95CE-6DB70DBA9567}" type="datetimeFigureOut">
               <a:rPr lang="en-US" dirty="0"/>
               <a:pPr/>
-              <a:t>6/18/2018</a:t>
+              <a:t>6/19/2018</a:t>
             </a:fld>
             <a:endParaRPr lang="en-US" dirty="0"/>
           </a:p>
@@ -6054,7 +6212,7 @@
             <a:fld id="{B61BEF0D-F0BB-DE4B-95CE-6DB70DBA9567}" type="datetimeFigureOut">
               <a:rPr lang="en-US" dirty="0"/>
               <a:pPr/>
-              <a:t>6/18/2018</a:t>
+              <a:t>6/19/2018</a:t>
             </a:fld>
             <a:endParaRPr lang="en-US" dirty="0"/>
           </a:p>
@@ -6839,9 +6997,18 @@
         </p:nvSpPr>
         <p:spPr/>
         <p:txBody>
-          <a:bodyPr/>
-          <a:lstStyle/>
-          <a:p>
+          <a:bodyPr>
+            <a:normAutofit fontScale="90000"/>
+          </a:bodyPr>
+          <a:lstStyle/>
+          <a:p>
+            <a:r>
+              <a:rPr lang="en-US" dirty="0"/>
+              <a:t>Contributor Question #1</a:t>
+            </a:r>
+            <a:br>
+              <a:rPr lang="en-US" dirty="0"/>
+            </a:br>
             <a:r>
               <a:rPr lang="en-US" dirty="0"/>
               <a:t>How do I contribute?</a:t>
@@ -6981,16 +7148,21 @@
         </p:nvSpPr>
         <p:spPr/>
         <p:txBody>
-          <a:bodyPr/>
-          <a:lstStyle/>
-          <a:p>
-            <a:r>
-              <a:rPr lang="en-US" dirty="0" err="1"/>
-              <a:t>Todo</a:t>
-            </a:r>
-            <a:r>
-              <a:rPr lang="en-US" dirty="0"/>
-              <a:t> List</a:t>
+          <a:bodyPr>
+            <a:normAutofit fontScale="90000"/>
+          </a:bodyPr>
+          <a:lstStyle/>
+          <a:p>
+            <a:r>
+              <a:rPr lang="en-US" dirty="0"/>
+              <a:t>Contributor Question #2</a:t>
+            </a:r>
+            <a:br>
+              <a:rPr lang="en-US" dirty="0"/>
+            </a:br>
+            <a:r>
+              <a:rPr lang="en-US" dirty="0"/>
+              <a:t>What can I do?</a:t>
             </a:r>
           </a:p>
         </p:txBody>
@@ -7026,13 +7198,19 @@
             </a:r>
             <a:r>
               <a:rPr lang="en-US" dirty="0"/>
-              <a:t>” list</a:t>
-            </a:r>
-          </a:p>
-          <a:p>
-            <a:r>
-              <a:rPr lang="en-US" dirty="0"/>
-              <a:t>Let people know what your low hanging fruit might be</a:t>
+              <a:t>” list.  Name it “TODO” and put it in your top level directory.</a:t>
+            </a:r>
+          </a:p>
+          <a:p>
+            <a:r>
+              <a:rPr lang="en-US" dirty="0"/>
+              <a:t>Let people know what your low hanging fruit might be.</a:t>
+            </a:r>
+          </a:p>
+          <a:p>
+            <a:r>
+              <a:rPr lang="en-US" dirty="0"/>
+              <a:t>Let them know the not-so-low hanging fruit too, if you want.</a:t>
             </a:r>
           </a:p>
         </p:txBody>
@@ -7085,9 +7263,18 @@
         </p:nvSpPr>
         <p:spPr/>
         <p:txBody>
-          <a:bodyPr/>
-          <a:lstStyle/>
-          <a:p>
+          <a:bodyPr>
+            <a:normAutofit fontScale="90000"/>
+          </a:bodyPr>
+          <a:lstStyle/>
+          <a:p>
+            <a:r>
+              <a:rPr lang="en-US" dirty="0"/>
+              <a:t>Contributor Question #3</a:t>
+            </a:r>
+            <a:br>
+              <a:rPr lang="en-US" dirty="0"/>
+            </a:br>
             <a:r>
               <a:rPr lang="en-US" dirty="0"/>
               <a:t>Code of Conduct</a:t>
@@ -7113,7 +7300,9 @@
         </p:nvSpPr>
         <p:spPr/>
         <p:txBody>
-          <a:bodyPr/>
+          <a:bodyPr>
+            <a:normAutofit fontScale="92500"/>
+          </a:bodyPr>
           <a:lstStyle/>
           <a:p>
             <a:r>
@@ -7125,6 +7314,29 @@
             <a:r>
               <a:rPr lang="en-US" dirty="0"/>
               <a:t>You don’t need to invent your own version.  Just use the Contributor Covenant!</a:t>
+            </a:r>
+          </a:p>
+          <a:p>
+            <a:r>
+              <a:rPr lang="en-US" dirty="0"/>
+              <a:t>dist.ini:</a:t>
+            </a:r>
+          </a:p>
+          <a:p>
+            <a:pPr marL="0" indent="0" algn="ctr">
+              <a:buNone/>
+            </a:pPr>
+            <a:r>
+              <a:rPr lang="en-US" dirty="0"/>
+              <a:t>[</a:t>
+            </a:r>
+            <a:r>
+              <a:rPr lang="en-US" dirty="0" err="1"/>
+              <a:t>ContributorCovenant</a:t>
+            </a:r>
+            <a:r>
+              <a:rPr lang="en-US" dirty="0"/>
+              <a:t>]</a:t>
             </a:r>
           </a:p>
           <a:p>
@@ -7201,12 +7413,21 @@
         </p:nvSpPr>
         <p:spPr/>
         <p:txBody>
-          <a:bodyPr/>
-          <a:lstStyle/>
-          <a:p>
-            <a:r>
-              <a:rPr lang="en-US" dirty="0"/>
-              <a:t>Let people change their names</a:t>
+          <a:bodyPr>
+            <a:normAutofit fontScale="90000"/>
+          </a:bodyPr>
+          <a:lstStyle/>
+          <a:p>
+            <a:r>
+              <a:rPr lang="en-US" dirty="0"/>
+              <a:t>Some of us also…</a:t>
+            </a:r>
+            <a:br>
+              <a:rPr lang="en-US" dirty="0"/>
+            </a:br>
+            <a:r>
+              <a:rPr lang="en-US" dirty="0"/>
+              <a:t>Let people change their names/emails</a:t>
             </a:r>
           </a:p>
         </p:txBody>
@@ -7697,7 +7918,7 @@
           <p:nvPr/>
         </p:nvPicPr>
         <p:blipFill>
-          <a:blip r:embed="rId2"/>
+          <a:blip r:embed="rId3"/>
           <a:stretch>
             <a:fillRect/>
           </a:stretch>
@@ -7747,6 +7968,194 @@
           <p:cNvPr id="2" name="Title 1">
             <a:extLst>
               <a:ext uri="{FF2B5EF4-FFF2-40B4-BE49-F238E27FC236}">
+                <a16:creationId xmlns:a16="http://schemas.microsoft.com/office/drawing/2014/main" id="{F4577C05-A386-48EB-904A-4CF09B9E6AD4}"/>
+              </a:ext>
+            </a:extLst>
+          </p:cNvPr>
+          <p:cNvSpPr>
+            <a:spLocks noGrp="1"/>
+          </p:cNvSpPr>
+          <p:nvPr>
+            <p:ph type="title"/>
+          </p:nvPr>
+        </p:nvSpPr>
+        <p:spPr/>
+        <p:txBody>
+          <a:bodyPr/>
+          <a:lstStyle/>
+          <a:p>
+            <a:r>
+              <a:rPr lang="en-US" dirty="0"/>
+              <a:t>Give Contributors Credit</a:t>
+            </a:r>
+          </a:p>
+        </p:txBody>
+      </p:sp>
+      <p:sp>
+        <p:nvSpPr>
+          <p:cNvPr id="3" name="Content Placeholder 2">
+            <a:extLst>
+              <a:ext uri="{FF2B5EF4-FFF2-40B4-BE49-F238E27FC236}">
+                <a16:creationId xmlns:a16="http://schemas.microsoft.com/office/drawing/2014/main" id="{ED21DBBF-937E-470C-920F-1424ED07B88C}"/>
+              </a:ext>
+            </a:extLst>
+          </p:cNvPr>
+          <p:cNvSpPr>
+            <a:spLocks noGrp="1"/>
+          </p:cNvSpPr>
+          <p:nvPr>
+            <p:ph idx="1"/>
+          </p:nvPr>
+        </p:nvSpPr>
+        <p:spPr/>
+        <p:txBody>
+          <a:bodyPr/>
+          <a:lstStyle/>
+          <a:p>
+            <a:r>
+              <a:rPr lang="en-US" dirty="0" err="1"/>
+              <a:t>Dist</a:t>
+            </a:r>
+            <a:r>
+              <a:rPr lang="en-US" dirty="0"/>
+              <a:t>::</a:t>
+            </a:r>
+            <a:r>
+              <a:rPr lang="en-US" dirty="0" err="1"/>
+              <a:t>Zilla</a:t>
+            </a:r>
+            <a:r>
+              <a:rPr lang="en-US" dirty="0"/>
+              <a:t>::</a:t>
+            </a:r>
+            <a:r>
+              <a:rPr lang="en-US" dirty="0" err="1"/>
+              <a:t>Pluggin</a:t>
+            </a:r>
+            <a:r>
+              <a:rPr lang="en-US" dirty="0"/>
+              <a:t>::Git::Contributors</a:t>
+            </a:r>
+          </a:p>
+          <a:p>
+            <a:r>
+              <a:rPr lang="en-US" dirty="0"/>
+              <a:t>Uses .</a:t>
+            </a:r>
+            <a:r>
+              <a:rPr lang="en-US" dirty="0" err="1"/>
+              <a:t>mailmap</a:t>
+            </a:r>
+            <a:r>
+              <a:rPr lang="en-US" dirty="0"/>
+              <a:t> (remember that?)</a:t>
+            </a:r>
+          </a:p>
+          <a:p>
+            <a:r>
+              <a:rPr lang="en-US" dirty="0"/>
+              <a:t>In dist.ini:</a:t>
+            </a:r>
+            <a:br>
+              <a:rPr lang="en-US" dirty="0"/>
+            </a:br>
+            <a:br>
+              <a:rPr lang="en-US" dirty="0"/>
+            </a:br>
+            <a:r>
+              <a:rPr lang="en-US" dirty="0"/>
+              <a:t>[Git::Contributors]</a:t>
+            </a:r>
+            <a:br>
+              <a:rPr lang="en-US" dirty="0"/>
+            </a:br>
+            <a:r>
+              <a:rPr lang="en-US" dirty="0" err="1"/>
+              <a:t>include_authors</a:t>
+            </a:r>
+            <a:r>
+              <a:rPr lang="en-US" dirty="0"/>
+              <a:t>=1</a:t>
+            </a:r>
+            <a:br>
+              <a:rPr lang="en-US" dirty="0"/>
+            </a:br>
+            <a:r>
+              <a:rPr lang="en-US" dirty="0" err="1"/>
+              <a:t>order_by</a:t>
+            </a:r>
+            <a:r>
+              <a:rPr lang="en-US" dirty="0"/>
+              <a:t>=commits</a:t>
+            </a:r>
+          </a:p>
+        </p:txBody>
+      </p:sp>
+      <p:pic>
+        <p:nvPicPr>
+          <p:cNvPr id="4" name="Picture 3">
+            <a:extLst>
+              <a:ext uri="{FF2B5EF4-FFF2-40B4-BE49-F238E27FC236}">
+                <a16:creationId xmlns:a16="http://schemas.microsoft.com/office/drawing/2014/main" id="{17EEC919-94E3-42B2-854E-9C81585306FD}"/>
+              </a:ext>
+            </a:extLst>
+          </p:cNvPr>
+          <p:cNvPicPr>
+            <a:picLocks noChangeAspect="1"/>
+          </p:cNvPicPr>
+          <p:nvPr/>
+        </p:nvPicPr>
+        <p:blipFill>
+          <a:blip r:embed="rId2"/>
+          <a:stretch>
+            <a:fillRect/>
+          </a:stretch>
+        </p:blipFill>
+        <p:spPr>
+          <a:xfrm>
+            <a:off x="7154689" y="2600326"/>
+            <a:ext cx="2615623" cy="3546476"/>
+          </a:xfrm>
+          <a:prstGeom prst="rect">
+            <a:avLst/>
+          </a:prstGeom>
+        </p:spPr>
+      </p:pic>
+    </p:spTree>
+    <p:extLst>
+      <p:ext uri="{BB962C8B-B14F-4D97-AF65-F5344CB8AC3E}">
+        <p14:creationId xmlns:p14="http://schemas.microsoft.com/office/powerpoint/2010/main" val="3602262178"/>
+      </p:ext>
+    </p:extLst>
+  </p:cSld>
+  <p:clrMapOvr>
+    <a:masterClrMapping/>
+  </p:clrMapOvr>
+</p:sld>
+</file>
+
+<file path=ppt/slides/slide8.xml><?xml version="1.0" encoding="utf-8"?>
+<p:sld xmlns:a="http://schemas.openxmlformats.org/drawingml/2006/main" xmlns:r="http://schemas.openxmlformats.org/officeDocument/2006/relationships" xmlns:p="http://schemas.openxmlformats.org/presentationml/2006/main">
+  <p:cSld>
+    <p:spTree>
+      <p:nvGrpSpPr>
+        <p:cNvPr id="1" name=""/>
+        <p:cNvGrpSpPr/>
+        <p:nvPr/>
+      </p:nvGrpSpPr>
+      <p:grpSpPr>
+        <a:xfrm>
+          <a:off x="0" y="0"/>
+          <a:ext cx="0" cy="0"/>
+          <a:chOff x="0" y="0"/>
+          <a:chExt cx="0" cy="0"/>
+        </a:xfrm>
+      </p:grpSpPr>
+      <p:sp>
+        <p:nvSpPr>
+          <p:cNvPr id="2" name="Title 1">
+            <a:extLst>
+              <a:ext uri="{FF2B5EF4-FFF2-40B4-BE49-F238E27FC236}">
                 <a16:creationId xmlns:a16="http://schemas.microsoft.com/office/drawing/2014/main" id="{C7EA22DB-C257-4DE5-8D15-ECC870B0AFE9}"/>
               </a:ext>
             </a:extLst>
@@ -7783,13 +8192,13 @@
             <a:spLocks noGrp="1"/>
           </p:cNvSpPr>
           <p:nvPr>
-            <p:ph idx="1"/>
+            <p:ph sz="half" idx="1"/>
           </p:nvPr>
         </p:nvSpPr>
         <p:spPr/>
         <p:txBody>
           <a:bodyPr>
-            <a:normAutofit fontScale="62500" lnSpcReduction="20000"/>
+            <a:normAutofit fontScale="55000" lnSpcReduction="20000"/>
           </a:bodyPr>
           <a:lstStyle/>
           <a:p>
@@ -7853,7 +8262,130 @@
               <a:rPr lang="en-US" sz="4000" dirty="0" err="1"/>
               <a:t>gitconfig</a:t>
             </a:r>
-            <a:endParaRPr lang="en-US" sz="4000" dirty="0"/>
+            <a:endParaRPr lang="en-US" sz="4400" dirty="0"/>
+          </a:p>
+        </p:txBody>
+      </p:sp>
+      <p:sp>
+        <p:nvSpPr>
+          <p:cNvPr id="4" name="Content Placeholder 3">
+            <a:extLst>
+              <a:ext uri="{FF2B5EF4-FFF2-40B4-BE49-F238E27FC236}">
+                <a16:creationId xmlns:a16="http://schemas.microsoft.com/office/drawing/2014/main" id="{69181096-B703-4465-9BFE-DB287D8224D7}"/>
+              </a:ext>
+            </a:extLst>
+          </p:cNvPr>
+          <p:cNvSpPr>
+            <a:spLocks noGrp="1"/>
+          </p:cNvSpPr>
+          <p:nvPr>
+            <p:ph sz="half" idx="2"/>
+          </p:nvPr>
+        </p:nvSpPr>
+        <p:spPr/>
+        <p:txBody>
+          <a:bodyPr>
+            <a:normAutofit fontScale="55000" lnSpcReduction="20000"/>
+          </a:bodyPr>
+          <a:lstStyle/>
+          <a:p>
+            <a:pPr marL="0" indent="0">
+              <a:buNone/>
+            </a:pPr>
+            <a:r>
+              <a:rPr lang="en-US" sz="4400" dirty="0"/>
+              <a:t>And give them credit</a:t>
+            </a:r>
+          </a:p>
+          <a:p>
+            <a:pPr marL="457200" lvl="1" indent="0">
+              <a:buNone/>
+            </a:pPr>
+            <a:r>
+              <a:rPr lang="en-US" sz="4000" dirty="0">
+                <a:latin typeface="Consolas" panose="020B0609020204030204" pitchFamily="49" charset="0"/>
+              </a:rPr>
+              <a:t>[Git::Contributors]</a:t>
+            </a:r>
+          </a:p>
+          <a:p>
+            <a:pPr marL="457200" lvl="1" indent="0">
+              <a:buNone/>
+            </a:pPr>
+            <a:r>
+              <a:rPr lang="en-US" sz="4000" dirty="0">
+                <a:latin typeface="Consolas" panose="020B0609020204030204" pitchFamily="49" charset="0"/>
+              </a:rPr>
+              <a:t>  </a:t>
+            </a:r>
+            <a:r>
+              <a:rPr lang="en-US" sz="4000" dirty="0" err="1">
+                <a:latin typeface="Consolas" panose="020B0609020204030204" pitchFamily="49" charset="0"/>
+              </a:rPr>
+              <a:t>include_authors</a:t>
+            </a:r>
+            <a:r>
+              <a:rPr lang="en-US" sz="4000" dirty="0">
+                <a:latin typeface="Consolas" panose="020B0609020204030204" pitchFamily="49" charset="0"/>
+              </a:rPr>
+              <a:t>=1</a:t>
+            </a:r>
+          </a:p>
+          <a:p>
+            <a:pPr marL="457200" lvl="1" indent="0">
+              <a:buNone/>
+            </a:pPr>
+            <a:r>
+              <a:rPr lang="en-US" sz="4000" dirty="0">
+                <a:latin typeface="Consolas" panose="020B0609020204030204" pitchFamily="49" charset="0"/>
+              </a:rPr>
+              <a:t>  </a:t>
+            </a:r>
+            <a:r>
+              <a:rPr lang="en-US" sz="4000" dirty="0" err="1">
+                <a:latin typeface="Consolas" panose="020B0609020204030204" pitchFamily="49" charset="0"/>
+              </a:rPr>
+              <a:t>order_by</a:t>
+            </a:r>
+            <a:r>
+              <a:rPr lang="en-US" sz="4000" dirty="0">
+                <a:latin typeface="Consolas" panose="020B0609020204030204" pitchFamily="49" charset="0"/>
+              </a:rPr>
+              <a:t>=commits</a:t>
+            </a:r>
+          </a:p>
+          <a:p>
+            <a:pPr marL="0" indent="0">
+              <a:buNone/>
+            </a:pPr>
+            <a:endParaRPr lang="en-US" dirty="0"/>
+          </a:p>
+          <a:p>
+            <a:pPr marL="0" indent="0">
+              <a:buNone/>
+            </a:pPr>
+            <a:r>
+              <a:rPr lang="en-US" sz="5100" dirty="0">
+                <a:latin typeface="Consolas" panose="020B0609020204030204" pitchFamily="49" charset="0"/>
+              </a:rPr>
+              <a:t>Slides: </a:t>
+            </a:r>
+            <a:r>
+              <a:rPr lang="en-US" sz="5100" dirty="0">
+                <a:latin typeface="Consolas" panose="020B0609020204030204" pitchFamily="49" charset="0"/>
+                <a:hlinkClick r:id="rId3"/>
+              </a:rPr>
+              <a:t>https://bit.ly/2MEhP5k</a:t>
+            </a:r>
+            <a:endParaRPr lang="en-US" sz="5100" dirty="0">
+              <a:latin typeface="Consolas" panose="020B0609020204030204" pitchFamily="49" charset="0"/>
+            </a:endParaRPr>
+          </a:p>
+          <a:p>
+            <a:pPr marL="0" indent="0">
+              <a:buNone/>
+            </a:pPr>
+            <a:endParaRPr lang="en-US" dirty="0"/>
           </a:p>
         </p:txBody>
       </p:sp>
@@ -7870,7 +8402,7 @@
 </p:sld>
 </file>
 
-<file path=ppt/slides/slide8.xml><?xml version="1.0" encoding="utf-8"?>
+<file path=ppt/slides/slide9.xml><?xml version="1.0" encoding="utf-8"?>
 <p:sld xmlns:a="http://schemas.openxmlformats.org/drawingml/2006/main" xmlns:r="http://schemas.openxmlformats.org/officeDocument/2006/relationships" xmlns:p="http://schemas.openxmlformats.org/presentationml/2006/main">
   <p:cSld>
     <p:spTree>
